--- a/ProjectDocument/Portfolio_Project.pptx
+++ b/ProjectDocument/Portfolio_Project.pptx
@@ -124,6 +124,11 @@
       </a:defRPr>
     </a:lvl9pPr>
   </p:defaultTextStyle>
+  <p:extLst>
+    <p:ext uri="{EFAFB233-063F-42B5-8137-9DF3F51BA10A}">
+      <p15:sldGuideLst xmlns:p15="http://schemas.microsoft.com/office/powerpoint/2012/main"/>
+    </p:ext>
+  </p:extLst>
 </p:presentation>
 </file>
 
@@ -881,7 +886,7 @@
           <a:p>
             <a:fld id="{CD38A13B-C8A8-404B-9844-C334BA617E14}" type="datetimeFigureOut">
               <a:rPr lang="ko-KR" altLang="en-US" smtClean="0"/>
-              <a:t>2023-08-23</a:t>
+              <a:t>2023-08-24</a:t>
             </a:fld>
             <a:endParaRPr lang="ko-KR" altLang="en-US"/>
           </a:p>
@@ -1318,7 +1323,7 @@
           <a:p>
             <a:fld id="{CD38A13B-C8A8-404B-9844-C334BA617E14}" type="datetimeFigureOut">
               <a:rPr lang="ko-KR" altLang="en-US" smtClean="0"/>
-              <a:t>2023-08-23</a:t>
+              <a:t>2023-08-24</a:t>
             </a:fld>
             <a:endParaRPr lang="ko-KR" altLang="en-US"/>
           </a:p>
@@ -2369,7 +2374,7 @@
           <a:p>
             <a:fld id="{CD38A13B-C8A8-404B-9844-C334BA617E14}" type="datetimeFigureOut">
               <a:rPr lang="ko-KR" altLang="en-US" smtClean="0"/>
-              <a:t>2023-08-23</a:t>
+              <a:t>2023-08-24</a:t>
             </a:fld>
             <a:endParaRPr lang="ko-KR" altLang="en-US"/>
           </a:p>
@@ -2559,7 +2564,7 @@
           <a:p>
             <a:fld id="{CD38A13B-C8A8-404B-9844-C334BA617E14}" type="datetimeFigureOut">
               <a:rPr lang="ko-KR" altLang="en-US" smtClean="0"/>
-              <a:t>2023-08-23</a:t>
+              <a:t>2023-08-24</a:t>
             </a:fld>
             <a:endParaRPr lang="ko-KR" altLang="en-US"/>
           </a:p>
@@ -3081,7 +3086,7 @@
           <a:p>
             <a:fld id="{CD38A13B-C8A8-404B-9844-C334BA617E14}" type="datetimeFigureOut">
               <a:rPr lang="ko-KR" altLang="en-US" smtClean="0"/>
-              <a:t>2023-08-23</a:t>
+              <a:t>2023-08-24</a:t>
             </a:fld>
             <a:endParaRPr lang="ko-KR" altLang="en-US"/>
           </a:p>
@@ -3518,7 +3523,7 @@
           <a:p>
             <a:fld id="{CD38A13B-C8A8-404B-9844-C334BA617E14}" type="datetimeFigureOut">
               <a:rPr lang="ko-KR" altLang="en-US" smtClean="0"/>
-              <a:t>2023-08-23</a:t>
+              <a:t>2023-08-24</a:t>
             </a:fld>
             <a:endParaRPr lang="ko-KR" altLang="en-US"/>
           </a:p>
@@ -4212,7 +4217,7 @@
           <a:p>
             <a:fld id="{CD38A13B-C8A8-404B-9844-C334BA617E14}" type="datetimeFigureOut">
               <a:rPr lang="ko-KR" altLang="en-US" smtClean="0"/>
-              <a:t>2023-08-23</a:t>
+              <a:t>2023-08-24</a:t>
             </a:fld>
             <a:endParaRPr lang="ko-KR" altLang="en-US"/>
           </a:p>
@@ -4551,7 +4556,7 @@
           <a:p>
             <a:fld id="{CD38A13B-C8A8-404B-9844-C334BA617E14}" type="datetimeFigureOut">
               <a:rPr lang="ko-KR" altLang="en-US" smtClean="0"/>
-              <a:t>2023-08-23</a:t>
+              <a:t>2023-08-24</a:t>
             </a:fld>
             <a:endParaRPr lang="ko-KR" altLang="en-US"/>
           </a:p>
@@ -4830,7 +4835,7 @@
           <a:p>
             <a:fld id="{CD38A13B-C8A8-404B-9844-C334BA617E14}" type="datetimeFigureOut">
               <a:rPr lang="ko-KR" altLang="en-US" smtClean="0"/>
-              <a:t>2023-08-23</a:t>
+              <a:t>2023-08-24</a:t>
             </a:fld>
             <a:endParaRPr lang="ko-KR" altLang="en-US"/>
           </a:p>
@@ -5482,7 +5487,7 @@
           <a:p>
             <a:fld id="{CD38A13B-C8A8-404B-9844-C334BA617E14}" type="datetimeFigureOut">
               <a:rPr lang="ko-KR" altLang="en-US" smtClean="0"/>
-              <a:t>2023-08-23</a:t>
+              <a:t>2023-08-24</a:t>
             </a:fld>
             <a:endParaRPr lang="ko-KR" altLang="en-US"/>
           </a:p>
@@ -5907,7 +5912,7 @@
           <a:p>
             <a:fld id="{CD38A13B-C8A8-404B-9844-C334BA617E14}" type="datetimeFigureOut">
               <a:rPr lang="ko-KR" altLang="en-US" smtClean="0"/>
-              <a:t>2023-08-23</a:t>
+              <a:t>2023-08-24</a:t>
             </a:fld>
             <a:endParaRPr lang="ko-KR" altLang="en-US"/>
           </a:p>
@@ -10201,7 +10206,7 @@
           <a:p>
             <a:fld id="{CD38A13B-C8A8-404B-9844-C334BA617E14}" type="datetimeFigureOut">
               <a:rPr lang="ko-KR" altLang="en-US" smtClean="0"/>
-              <a:t>2023-08-23</a:t>
+              <a:t>2023-08-24</a:t>
             </a:fld>
             <a:endParaRPr lang="ko-KR" altLang="en-US"/>
           </a:p>
@@ -11070,6 +11075,102 @@
           </a:fontRef>
         </p:style>
       </p:cxnSp>
+      <p:sp>
+        <p:nvSpPr>
+          <p:cNvPr id="8" name="직사각형 7">
+            <a:extLst>
+              <a:ext uri="{FF2B5EF4-FFF2-40B4-BE49-F238E27FC236}">
+                <a16:creationId xmlns:a16="http://schemas.microsoft.com/office/drawing/2014/main" id="{102805EE-ED6C-407D-8DA0-800E804F0BD3}"/>
+              </a:ext>
+            </a:extLst>
+          </p:cNvPr>
+          <p:cNvSpPr/>
+          <p:nvPr/>
+        </p:nvSpPr>
+        <p:spPr>
+          <a:xfrm>
+            <a:off x="3051611" y="868951"/>
+            <a:ext cx="3044390" cy="5233843"/>
+          </a:xfrm>
+          <a:prstGeom prst="rect">
+            <a:avLst/>
+          </a:prstGeom>
+          <a:noFill/>
+          <a:ln w="28575"/>
+        </p:spPr>
+        <p:style>
+          <a:lnRef idx="2">
+            <a:schemeClr val="accent1">
+              <a:shade val="50000"/>
+            </a:schemeClr>
+          </a:lnRef>
+          <a:fillRef idx="1">
+            <a:schemeClr val="accent1"/>
+          </a:fillRef>
+          <a:effectRef idx="0">
+            <a:schemeClr val="accent1"/>
+          </a:effectRef>
+          <a:fontRef idx="minor">
+            <a:schemeClr val="lt1"/>
+          </a:fontRef>
+        </p:style>
+        <p:txBody>
+          <a:bodyPr rtlCol="0" anchor="ctr"/>
+          <a:lstStyle/>
+          <a:p>
+            <a:pPr algn="ctr"/>
+            <a:endParaRPr lang="ko-KR" altLang="en-US"/>
+          </a:p>
+        </p:txBody>
+      </p:sp>
+      <p:sp>
+        <p:nvSpPr>
+          <p:cNvPr id="10" name="직사각형 9">
+            <a:extLst>
+              <a:ext uri="{FF2B5EF4-FFF2-40B4-BE49-F238E27FC236}">
+                <a16:creationId xmlns:a16="http://schemas.microsoft.com/office/drawing/2014/main" id="{71310E6E-9E86-459D-B31B-73CA6421FAD4}"/>
+              </a:ext>
+            </a:extLst>
+          </p:cNvPr>
+          <p:cNvSpPr/>
+          <p:nvPr/>
+        </p:nvSpPr>
+        <p:spPr>
+          <a:xfrm>
+            <a:off x="6231585" y="1733352"/>
+            <a:ext cx="5694601" cy="4369442"/>
+          </a:xfrm>
+          <a:prstGeom prst="rect">
+            <a:avLst/>
+          </a:prstGeom>
+          <a:noFill/>
+          <a:ln w="28575"/>
+        </p:spPr>
+        <p:style>
+          <a:lnRef idx="2">
+            <a:schemeClr val="accent1">
+              <a:shade val="50000"/>
+            </a:schemeClr>
+          </a:lnRef>
+          <a:fillRef idx="1">
+            <a:schemeClr val="accent1"/>
+          </a:fillRef>
+          <a:effectRef idx="0">
+            <a:schemeClr val="accent1"/>
+          </a:effectRef>
+          <a:fontRef idx="minor">
+            <a:schemeClr val="lt1"/>
+          </a:fontRef>
+        </p:style>
+        <p:txBody>
+          <a:bodyPr rtlCol="0" anchor="ctr"/>
+          <a:lstStyle/>
+          <a:p>
+            <a:pPr algn="ctr"/>
+            <a:endParaRPr lang="ko-KR" altLang="en-US"/>
+          </a:p>
+        </p:txBody>
+      </p:sp>
     </p:spTree>
     <p:extLst>
       <p:ext uri="{BB962C8B-B14F-4D97-AF65-F5344CB8AC3E}">
@@ -12562,6 +12663,198 @@
           </a:p>
         </p:txBody>
       </p:sp>
+      <p:sp>
+        <p:nvSpPr>
+          <p:cNvPr id="16" name="직사각형 15">
+            <a:extLst>
+              <a:ext uri="{FF2B5EF4-FFF2-40B4-BE49-F238E27FC236}">
+                <a16:creationId xmlns:a16="http://schemas.microsoft.com/office/drawing/2014/main" id="{B8B88CB2-80AB-4D40-93F5-E41C42CC9676}"/>
+              </a:ext>
+            </a:extLst>
+          </p:cNvPr>
+          <p:cNvSpPr/>
+          <p:nvPr/>
+        </p:nvSpPr>
+        <p:spPr>
+          <a:xfrm>
+            <a:off x="2551061" y="1563207"/>
+            <a:ext cx="9173855" cy="466791"/>
+          </a:xfrm>
+          <a:prstGeom prst="rect">
+            <a:avLst/>
+          </a:prstGeom>
+          <a:noFill/>
+          <a:ln w="28575"/>
+        </p:spPr>
+        <p:style>
+          <a:lnRef idx="2">
+            <a:schemeClr val="accent1">
+              <a:shade val="50000"/>
+            </a:schemeClr>
+          </a:lnRef>
+          <a:fillRef idx="1">
+            <a:schemeClr val="accent1"/>
+          </a:fillRef>
+          <a:effectRef idx="0">
+            <a:schemeClr val="accent1"/>
+          </a:effectRef>
+          <a:fontRef idx="minor">
+            <a:schemeClr val="lt1"/>
+          </a:fontRef>
+        </p:style>
+        <p:txBody>
+          <a:bodyPr rtlCol="0" anchor="ctr"/>
+          <a:lstStyle/>
+          <a:p>
+            <a:pPr algn="ctr"/>
+            <a:endParaRPr lang="ko-KR" altLang="en-US"/>
+          </a:p>
+        </p:txBody>
+      </p:sp>
+      <p:sp>
+        <p:nvSpPr>
+          <p:cNvPr id="17" name="직사각형 16">
+            <a:extLst>
+              <a:ext uri="{FF2B5EF4-FFF2-40B4-BE49-F238E27FC236}">
+                <a16:creationId xmlns:a16="http://schemas.microsoft.com/office/drawing/2014/main" id="{F85D693A-10C0-4D20-86F9-2C53F3ADC6F2}"/>
+              </a:ext>
+            </a:extLst>
+          </p:cNvPr>
+          <p:cNvSpPr/>
+          <p:nvPr/>
+        </p:nvSpPr>
+        <p:spPr>
+          <a:xfrm>
+            <a:off x="2551061" y="2644606"/>
+            <a:ext cx="8983329" cy="886601"/>
+          </a:xfrm>
+          <a:prstGeom prst="rect">
+            <a:avLst/>
+          </a:prstGeom>
+          <a:noFill/>
+          <a:ln w="28575"/>
+        </p:spPr>
+        <p:style>
+          <a:lnRef idx="2">
+            <a:schemeClr val="accent1">
+              <a:shade val="50000"/>
+            </a:schemeClr>
+          </a:lnRef>
+          <a:fillRef idx="1">
+            <a:schemeClr val="accent1"/>
+          </a:fillRef>
+          <a:effectRef idx="0">
+            <a:schemeClr val="accent1"/>
+          </a:effectRef>
+          <a:fontRef idx="minor">
+            <a:schemeClr val="lt1"/>
+          </a:fontRef>
+        </p:style>
+        <p:txBody>
+          <a:bodyPr rtlCol="0" anchor="ctr"/>
+          <a:lstStyle/>
+          <a:p>
+            <a:pPr algn="ctr"/>
+            <a:endParaRPr lang="ko-KR" altLang="en-US"/>
+          </a:p>
+        </p:txBody>
+      </p:sp>
+      <p:sp>
+        <p:nvSpPr>
+          <p:cNvPr id="18" name="직사각형 17">
+            <a:extLst>
+              <a:ext uri="{FF2B5EF4-FFF2-40B4-BE49-F238E27FC236}">
+                <a16:creationId xmlns:a16="http://schemas.microsoft.com/office/drawing/2014/main" id="{84853F08-DB59-40C4-B96C-D3F6744FDD1F}"/>
+              </a:ext>
+            </a:extLst>
+          </p:cNvPr>
+          <p:cNvSpPr/>
+          <p:nvPr/>
+        </p:nvSpPr>
+        <p:spPr>
+          <a:xfrm>
+            <a:off x="2551061" y="4644948"/>
+            <a:ext cx="7020905" cy="246549"/>
+          </a:xfrm>
+          <a:prstGeom prst="rect">
+            <a:avLst/>
+          </a:prstGeom>
+          <a:noFill/>
+          <a:ln w="28575"/>
+        </p:spPr>
+        <p:style>
+          <a:lnRef idx="2">
+            <a:schemeClr val="accent1">
+              <a:shade val="50000"/>
+            </a:schemeClr>
+          </a:lnRef>
+          <a:fillRef idx="1">
+            <a:schemeClr val="accent1"/>
+          </a:fillRef>
+          <a:effectRef idx="0">
+            <a:schemeClr val="accent1"/>
+          </a:effectRef>
+          <a:fontRef idx="minor">
+            <a:schemeClr val="lt1"/>
+          </a:fontRef>
+        </p:style>
+        <p:txBody>
+          <a:bodyPr rtlCol="0" anchor="ctr"/>
+          <a:lstStyle/>
+          <a:p>
+            <a:pPr algn="ctr"/>
+            <a:endParaRPr lang="ko-KR" altLang="en-US"/>
+          </a:p>
+        </p:txBody>
+      </p:sp>
+      <p:sp>
+        <p:nvSpPr>
+          <p:cNvPr id="25" name="직사각형 24">
+            <a:extLst>
+              <a:ext uri="{FF2B5EF4-FFF2-40B4-BE49-F238E27FC236}">
+                <a16:creationId xmlns:a16="http://schemas.microsoft.com/office/drawing/2014/main" id="{25623036-2D13-403A-9312-D6485912063C}"/>
+              </a:ext>
+            </a:extLst>
+          </p:cNvPr>
+          <p:cNvSpPr/>
+          <p:nvPr/>
+        </p:nvSpPr>
+        <p:spPr>
+          <a:xfrm>
+            <a:off x="2551062" y="5580781"/>
+            <a:ext cx="4639322" cy="642838"/>
+          </a:xfrm>
+          <a:prstGeom prst="rect">
+            <a:avLst/>
+          </a:prstGeom>
+          <a:noFill/>
+          <a:ln w="28575"/>
+        </p:spPr>
+        <p:style>
+          <a:lnRef idx="2">
+            <a:schemeClr val="accent1">
+              <a:shade val="50000"/>
+            </a:schemeClr>
+          </a:lnRef>
+          <a:fillRef idx="1">
+            <a:schemeClr val="accent1"/>
+          </a:fillRef>
+          <a:effectRef idx="0">
+            <a:schemeClr val="accent1"/>
+          </a:effectRef>
+          <a:fontRef idx="minor">
+            <a:schemeClr val="lt1"/>
+          </a:fontRef>
+        </p:style>
+        <p:txBody>
+          <a:bodyPr rtlCol="0" anchor="ctr"/>
+          <a:lstStyle/>
+          <a:p>
+            <a:pPr algn="ctr"/>
+            <a:endParaRPr lang="ko-KR" altLang="en-US"/>
+          </a:p>
+        </p:txBody>
+      </p:sp>
     </p:spTree>
     <p:extLst>
       <p:ext uri="{BB962C8B-B14F-4D97-AF65-F5344CB8AC3E}">
@@ -13196,6 +13489,198 @@
           </a:p>
         </p:txBody>
       </p:sp>
+      <p:sp>
+        <p:nvSpPr>
+          <p:cNvPr id="16" name="직사각형 15">
+            <a:extLst>
+              <a:ext uri="{FF2B5EF4-FFF2-40B4-BE49-F238E27FC236}">
+                <a16:creationId xmlns:a16="http://schemas.microsoft.com/office/drawing/2014/main" id="{27BEBCE9-D2AD-4CAE-A8B2-69E4DB350D68}"/>
+              </a:ext>
+            </a:extLst>
+          </p:cNvPr>
+          <p:cNvSpPr/>
+          <p:nvPr/>
+        </p:nvSpPr>
+        <p:spPr>
+          <a:xfrm>
+            <a:off x="2708641" y="1446899"/>
+            <a:ext cx="5229955" cy="329105"/>
+          </a:xfrm>
+          <a:prstGeom prst="rect">
+            <a:avLst/>
+          </a:prstGeom>
+          <a:noFill/>
+          <a:ln w="28575"/>
+        </p:spPr>
+        <p:style>
+          <a:lnRef idx="2">
+            <a:schemeClr val="accent1">
+              <a:shade val="50000"/>
+            </a:schemeClr>
+          </a:lnRef>
+          <a:fillRef idx="1">
+            <a:schemeClr val="accent1"/>
+          </a:fillRef>
+          <a:effectRef idx="0">
+            <a:schemeClr val="accent1"/>
+          </a:effectRef>
+          <a:fontRef idx="minor">
+            <a:schemeClr val="lt1"/>
+          </a:fontRef>
+        </p:style>
+        <p:txBody>
+          <a:bodyPr rtlCol="0" anchor="ctr"/>
+          <a:lstStyle/>
+          <a:p>
+            <a:pPr algn="ctr"/>
+            <a:endParaRPr lang="ko-KR" altLang="en-US"/>
+          </a:p>
+        </p:txBody>
+      </p:sp>
+      <p:sp>
+        <p:nvSpPr>
+          <p:cNvPr id="19" name="직사각형 18">
+            <a:extLst>
+              <a:ext uri="{FF2B5EF4-FFF2-40B4-BE49-F238E27FC236}">
+                <a16:creationId xmlns:a16="http://schemas.microsoft.com/office/drawing/2014/main" id="{BA603D71-49D9-4611-8136-82B3AD78610F}"/>
+              </a:ext>
+            </a:extLst>
+          </p:cNvPr>
+          <p:cNvSpPr/>
+          <p:nvPr/>
+        </p:nvSpPr>
+        <p:spPr>
+          <a:xfrm>
+            <a:off x="2708641" y="2395549"/>
+            <a:ext cx="7192379" cy="1105055"/>
+          </a:xfrm>
+          <a:prstGeom prst="rect">
+            <a:avLst/>
+          </a:prstGeom>
+          <a:noFill/>
+          <a:ln w="28575"/>
+        </p:spPr>
+        <p:style>
+          <a:lnRef idx="2">
+            <a:schemeClr val="accent1">
+              <a:shade val="50000"/>
+            </a:schemeClr>
+          </a:lnRef>
+          <a:fillRef idx="1">
+            <a:schemeClr val="accent1"/>
+          </a:fillRef>
+          <a:effectRef idx="0">
+            <a:schemeClr val="accent1"/>
+          </a:effectRef>
+          <a:fontRef idx="minor">
+            <a:schemeClr val="lt1"/>
+          </a:fontRef>
+        </p:style>
+        <p:txBody>
+          <a:bodyPr rtlCol="0" anchor="ctr"/>
+          <a:lstStyle/>
+          <a:p>
+            <a:pPr algn="ctr"/>
+            <a:endParaRPr lang="ko-KR" altLang="en-US"/>
+          </a:p>
+        </p:txBody>
+      </p:sp>
+      <p:sp>
+        <p:nvSpPr>
+          <p:cNvPr id="20" name="직사각형 19">
+            <a:extLst>
+              <a:ext uri="{FF2B5EF4-FFF2-40B4-BE49-F238E27FC236}">
+                <a16:creationId xmlns:a16="http://schemas.microsoft.com/office/drawing/2014/main" id="{B000B857-5A29-48B6-A615-A8C174105A70}"/>
+              </a:ext>
+            </a:extLst>
+          </p:cNvPr>
+          <p:cNvSpPr/>
+          <p:nvPr/>
+        </p:nvSpPr>
+        <p:spPr>
+          <a:xfrm>
+            <a:off x="2708641" y="4163029"/>
+            <a:ext cx="4763165" cy="193391"/>
+          </a:xfrm>
+          <a:prstGeom prst="rect">
+            <a:avLst/>
+          </a:prstGeom>
+          <a:noFill/>
+          <a:ln w="28575"/>
+        </p:spPr>
+        <p:style>
+          <a:lnRef idx="2">
+            <a:schemeClr val="accent1">
+              <a:shade val="50000"/>
+            </a:schemeClr>
+          </a:lnRef>
+          <a:fillRef idx="1">
+            <a:schemeClr val="accent1"/>
+          </a:fillRef>
+          <a:effectRef idx="0">
+            <a:schemeClr val="accent1"/>
+          </a:effectRef>
+          <a:fontRef idx="minor">
+            <a:schemeClr val="lt1"/>
+          </a:fontRef>
+        </p:style>
+        <p:txBody>
+          <a:bodyPr rtlCol="0" anchor="ctr"/>
+          <a:lstStyle/>
+          <a:p>
+            <a:pPr algn="ctr"/>
+            <a:endParaRPr lang="ko-KR" altLang="en-US"/>
+          </a:p>
+        </p:txBody>
+      </p:sp>
+      <p:sp>
+        <p:nvSpPr>
+          <p:cNvPr id="21" name="직사각형 20">
+            <a:extLst>
+              <a:ext uri="{FF2B5EF4-FFF2-40B4-BE49-F238E27FC236}">
+                <a16:creationId xmlns:a16="http://schemas.microsoft.com/office/drawing/2014/main" id="{0D8464B4-E2C8-40A9-887E-C0C7BE628ECC}"/>
+              </a:ext>
+            </a:extLst>
+          </p:cNvPr>
+          <p:cNvSpPr/>
+          <p:nvPr/>
+        </p:nvSpPr>
+        <p:spPr>
+          <a:xfrm>
+            <a:off x="2708641" y="5110414"/>
+            <a:ext cx="3915321" cy="609685"/>
+          </a:xfrm>
+          <a:prstGeom prst="rect">
+            <a:avLst/>
+          </a:prstGeom>
+          <a:noFill/>
+          <a:ln w="28575"/>
+        </p:spPr>
+        <p:style>
+          <a:lnRef idx="2">
+            <a:schemeClr val="accent1">
+              <a:shade val="50000"/>
+            </a:schemeClr>
+          </a:lnRef>
+          <a:fillRef idx="1">
+            <a:schemeClr val="accent1"/>
+          </a:fillRef>
+          <a:effectRef idx="0">
+            <a:schemeClr val="accent1"/>
+          </a:effectRef>
+          <a:fontRef idx="minor">
+            <a:schemeClr val="lt1"/>
+          </a:fontRef>
+        </p:style>
+        <p:txBody>
+          <a:bodyPr rtlCol="0" anchor="ctr"/>
+          <a:lstStyle/>
+          <a:p>
+            <a:pPr algn="ctr"/>
+            <a:endParaRPr lang="ko-KR" altLang="en-US"/>
+          </a:p>
+        </p:txBody>
+      </p:sp>
     </p:spTree>
     <p:extLst>
       <p:ext uri="{BB962C8B-B14F-4D97-AF65-F5344CB8AC3E}">
@@ -13558,6 +14043,102 @@
           </a:p>
         </p:txBody>
       </p:sp>
+      <p:sp>
+        <p:nvSpPr>
+          <p:cNvPr id="10" name="직사각형 9">
+            <a:extLst>
+              <a:ext uri="{FF2B5EF4-FFF2-40B4-BE49-F238E27FC236}">
+                <a16:creationId xmlns:a16="http://schemas.microsoft.com/office/drawing/2014/main" id="{EBF99546-9ABE-414B-9DDC-F0FF68D8679E}"/>
+              </a:ext>
+            </a:extLst>
+          </p:cNvPr>
+          <p:cNvSpPr/>
+          <p:nvPr/>
+        </p:nvSpPr>
+        <p:spPr>
+          <a:xfrm>
+            <a:off x="2921428" y="1656034"/>
+            <a:ext cx="5153744" cy="313391"/>
+          </a:xfrm>
+          <a:prstGeom prst="rect">
+            <a:avLst/>
+          </a:prstGeom>
+          <a:noFill/>
+          <a:ln w="28575"/>
+        </p:spPr>
+        <p:style>
+          <a:lnRef idx="2">
+            <a:schemeClr val="accent1">
+              <a:shade val="50000"/>
+            </a:schemeClr>
+          </a:lnRef>
+          <a:fillRef idx="1">
+            <a:schemeClr val="accent1"/>
+          </a:fillRef>
+          <a:effectRef idx="0">
+            <a:schemeClr val="accent1"/>
+          </a:effectRef>
+          <a:fontRef idx="minor">
+            <a:schemeClr val="lt1"/>
+          </a:fontRef>
+        </p:style>
+        <p:txBody>
+          <a:bodyPr rtlCol="0" anchor="ctr"/>
+          <a:lstStyle/>
+          <a:p>
+            <a:pPr algn="ctr"/>
+            <a:endParaRPr lang="ko-KR" altLang="en-US"/>
+          </a:p>
+        </p:txBody>
+      </p:sp>
+      <p:sp>
+        <p:nvSpPr>
+          <p:cNvPr id="11" name="직사각형 10">
+            <a:extLst>
+              <a:ext uri="{FF2B5EF4-FFF2-40B4-BE49-F238E27FC236}">
+                <a16:creationId xmlns:a16="http://schemas.microsoft.com/office/drawing/2014/main" id="{DC481AA1-0A3A-48E7-826A-F63CFA5B9827}"/>
+              </a:ext>
+            </a:extLst>
+          </p:cNvPr>
+          <p:cNvSpPr/>
+          <p:nvPr/>
+        </p:nvSpPr>
+        <p:spPr>
+          <a:xfrm>
+            <a:off x="2921428" y="2805574"/>
+            <a:ext cx="8849960" cy="2905530"/>
+          </a:xfrm>
+          <a:prstGeom prst="rect">
+            <a:avLst/>
+          </a:prstGeom>
+          <a:noFill/>
+          <a:ln w="28575"/>
+        </p:spPr>
+        <p:style>
+          <a:lnRef idx="2">
+            <a:schemeClr val="accent1">
+              <a:shade val="50000"/>
+            </a:schemeClr>
+          </a:lnRef>
+          <a:fillRef idx="1">
+            <a:schemeClr val="accent1"/>
+          </a:fillRef>
+          <a:effectRef idx="0">
+            <a:schemeClr val="accent1"/>
+          </a:effectRef>
+          <a:fontRef idx="minor">
+            <a:schemeClr val="lt1"/>
+          </a:fontRef>
+        </p:style>
+        <p:txBody>
+          <a:bodyPr rtlCol="0" anchor="ctr"/>
+          <a:lstStyle/>
+          <a:p>
+            <a:pPr algn="ctr"/>
+            <a:endParaRPr lang="ko-KR" altLang="en-US"/>
+          </a:p>
+        </p:txBody>
+      </p:sp>
     </p:spTree>
     <p:extLst>
       <p:ext uri="{BB962C8B-B14F-4D97-AF65-F5344CB8AC3E}">
@@ -13724,6 +14305,54 @@
           </a:prstGeom>
         </p:spPr>
       </p:pic>
+      <p:sp>
+        <p:nvSpPr>
+          <p:cNvPr id="6" name="직사각형 5">
+            <a:extLst>
+              <a:ext uri="{FF2B5EF4-FFF2-40B4-BE49-F238E27FC236}">
+                <a16:creationId xmlns:a16="http://schemas.microsoft.com/office/drawing/2014/main" id="{421D26DF-6395-408C-A0AF-2C9FE9E0FCF9}"/>
+              </a:ext>
+            </a:extLst>
+          </p:cNvPr>
+          <p:cNvSpPr/>
+          <p:nvPr/>
+        </p:nvSpPr>
+        <p:spPr>
+          <a:xfrm>
+            <a:off x="284420" y="2000775"/>
+            <a:ext cx="6661467" cy="3715959"/>
+          </a:xfrm>
+          <a:prstGeom prst="rect">
+            <a:avLst/>
+          </a:prstGeom>
+          <a:noFill/>
+          <a:ln w="28575"/>
+        </p:spPr>
+        <p:style>
+          <a:lnRef idx="2">
+            <a:schemeClr val="accent1">
+              <a:shade val="50000"/>
+            </a:schemeClr>
+          </a:lnRef>
+          <a:fillRef idx="1">
+            <a:schemeClr val="accent1"/>
+          </a:fillRef>
+          <a:effectRef idx="0">
+            <a:schemeClr val="accent1"/>
+          </a:effectRef>
+          <a:fontRef idx="minor">
+            <a:schemeClr val="lt1"/>
+          </a:fontRef>
+        </p:style>
+        <p:txBody>
+          <a:bodyPr rtlCol="0" anchor="ctr"/>
+          <a:lstStyle/>
+          <a:p>
+            <a:pPr algn="ctr"/>
+            <a:endParaRPr lang="ko-KR" altLang="en-US"/>
+          </a:p>
+        </p:txBody>
+      </p:sp>
       <p:pic>
         <p:nvPicPr>
           <p:cNvPr id="4" name="그림 3">
@@ -13754,6 +14383,54 @@
           </a:prstGeom>
         </p:spPr>
       </p:pic>
+      <p:sp>
+        <p:nvSpPr>
+          <p:cNvPr id="10" name="직사각형 9">
+            <a:extLst>
+              <a:ext uri="{FF2B5EF4-FFF2-40B4-BE49-F238E27FC236}">
+                <a16:creationId xmlns:a16="http://schemas.microsoft.com/office/drawing/2014/main" id="{A841FB7A-1962-4FF2-9208-E908BB1ABC3E}"/>
+              </a:ext>
+            </a:extLst>
+          </p:cNvPr>
+          <p:cNvSpPr/>
+          <p:nvPr/>
+        </p:nvSpPr>
+        <p:spPr>
+          <a:xfrm>
+            <a:off x="4588199" y="1368158"/>
+            <a:ext cx="6586619" cy="3715959"/>
+          </a:xfrm>
+          <a:prstGeom prst="rect">
+            <a:avLst/>
+          </a:prstGeom>
+          <a:noFill/>
+          <a:ln w="28575"/>
+        </p:spPr>
+        <p:style>
+          <a:lnRef idx="2">
+            <a:schemeClr val="accent1">
+              <a:shade val="50000"/>
+            </a:schemeClr>
+          </a:lnRef>
+          <a:fillRef idx="1">
+            <a:schemeClr val="accent1"/>
+          </a:fillRef>
+          <a:effectRef idx="0">
+            <a:schemeClr val="accent1"/>
+          </a:effectRef>
+          <a:fontRef idx="minor">
+            <a:schemeClr val="lt1"/>
+          </a:fontRef>
+        </p:style>
+        <p:txBody>
+          <a:bodyPr rtlCol="0" anchor="ctr"/>
+          <a:lstStyle/>
+          <a:p>
+            <a:pPr algn="ctr"/>
+            <a:endParaRPr lang="ko-KR" altLang="en-US"/>
+          </a:p>
+        </p:txBody>
+      </p:sp>
     </p:spTree>
     <p:extLst>
       <p:ext uri="{BB962C8B-B14F-4D97-AF65-F5344CB8AC3E}">
@@ -14010,7 +14687,7 @@
         </p:nvSpPr>
         <p:spPr>
           <a:xfrm>
-            <a:off x="10132828" y="2278450"/>
+            <a:off x="10287839" y="2795668"/>
             <a:ext cx="2059172" cy="369332"/>
           </a:xfrm>
           <a:prstGeom prst="rect">
@@ -14065,7 +14742,7 @@
         </p:nvSpPr>
         <p:spPr>
           <a:xfrm>
-            <a:off x="2708643" y="5260515"/>
+            <a:off x="2409979" y="5475438"/>
             <a:ext cx="2597003" cy="369332"/>
           </a:xfrm>
           <a:prstGeom prst="rect">
@@ -14087,6 +14764,102 @@
               </a:rPr>
               <a:t>삭제 테이블 이동 확인</a:t>
             </a:r>
+          </a:p>
+        </p:txBody>
+      </p:sp>
+      <p:sp>
+        <p:nvSpPr>
+          <p:cNvPr id="11" name="직사각형 10">
+            <a:extLst>
+              <a:ext uri="{FF2B5EF4-FFF2-40B4-BE49-F238E27FC236}">
+                <a16:creationId xmlns:a16="http://schemas.microsoft.com/office/drawing/2014/main" id="{912AD796-F095-4428-947B-8F5FEB848411}"/>
+              </a:ext>
+            </a:extLst>
+          </p:cNvPr>
+          <p:cNvSpPr/>
+          <p:nvPr/>
+        </p:nvSpPr>
+        <p:spPr>
+          <a:xfrm>
+            <a:off x="2484407" y="1289258"/>
+            <a:ext cx="7803432" cy="1857979"/>
+          </a:xfrm>
+          <a:prstGeom prst="rect">
+            <a:avLst/>
+          </a:prstGeom>
+          <a:noFill/>
+          <a:ln w="28575"/>
+        </p:spPr>
+        <p:style>
+          <a:lnRef idx="2">
+            <a:schemeClr val="accent1">
+              <a:shade val="50000"/>
+            </a:schemeClr>
+          </a:lnRef>
+          <a:fillRef idx="1">
+            <a:schemeClr val="accent1"/>
+          </a:fillRef>
+          <a:effectRef idx="0">
+            <a:schemeClr val="accent1"/>
+          </a:effectRef>
+          <a:fontRef idx="minor">
+            <a:schemeClr val="lt1"/>
+          </a:fontRef>
+        </p:style>
+        <p:txBody>
+          <a:bodyPr rtlCol="0" anchor="ctr"/>
+          <a:lstStyle/>
+          <a:p>
+            <a:pPr algn="ctr"/>
+            <a:endParaRPr lang="ko-KR" altLang="en-US"/>
+          </a:p>
+        </p:txBody>
+      </p:sp>
+      <p:sp>
+        <p:nvSpPr>
+          <p:cNvPr id="12" name="직사각형 11">
+            <a:extLst>
+              <a:ext uri="{FF2B5EF4-FFF2-40B4-BE49-F238E27FC236}">
+                <a16:creationId xmlns:a16="http://schemas.microsoft.com/office/drawing/2014/main" id="{1CF9F7B0-FF31-42FF-90C1-825585E71130}"/>
+              </a:ext>
+            </a:extLst>
+          </p:cNvPr>
+          <p:cNvSpPr/>
+          <p:nvPr/>
+        </p:nvSpPr>
+        <p:spPr>
+          <a:xfrm>
+            <a:off x="2409979" y="3877666"/>
+            <a:ext cx="8456432" cy="1546180"/>
+          </a:xfrm>
+          <a:prstGeom prst="rect">
+            <a:avLst/>
+          </a:prstGeom>
+          <a:noFill/>
+          <a:ln w="28575"/>
+        </p:spPr>
+        <p:style>
+          <a:lnRef idx="2">
+            <a:schemeClr val="accent1">
+              <a:shade val="50000"/>
+            </a:schemeClr>
+          </a:lnRef>
+          <a:fillRef idx="1">
+            <a:schemeClr val="accent1"/>
+          </a:fillRef>
+          <a:effectRef idx="0">
+            <a:schemeClr val="accent1"/>
+          </a:effectRef>
+          <a:fontRef idx="minor">
+            <a:schemeClr val="lt1"/>
+          </a:fontRef>
+        </p:style>
+        <p:txBody>
+          <a:bodyPr rtlCol="0" anchor="ctr"/>
+          <a:lstStyle/>
+          <a:p>
+            <a:pPr algn="ctr"/>
+            <a:endParaRPr lang="ko-KR" altLang="en-US"/>
           </a:p>
         </p:txBody>
       </p:sp>
@@ -17040,7 +17813,40 @@
                   </a:schemeClr>
                 </a:solidFill>
               </a:rPr>
-              <a:t>Java(JDK 11), HTML/CSS, JS</a:t>
+              <a:t>Java(JDK 11), </a:t>
+            </a:r>
+            <a:r>
+              <a:rPr lang="en-US" altLang="ko-KR" dirty="0" err="1">
+                <a:solidFill>
+                  <a:schemeClr val="tx1">
+                    <a:lumMod val="75000"/>
+                    <a:lumOff val="25000"/>
+                  </a:schemeClr>
+                </a:solidFill>
+              </a:rPr>
+              <a:t>JQuery</a:t>
+            </a:r>
+            <a:r>
+              <a:rPr lang="en-US" altLang="ko-KR" dirty="0">
+                <a:solidFill>
+                  <a:schemeClr val="tx1">
+                    <a:lumMod val="75000"/>
+                    <a:lumOff val="25000"/>
+                  </a:schemeClr>
+                </a:solidFill>
+              </a:rPr>
+              <a:t> / </a:t>
+            </a:r>
+            <a:r>
+              <a:rPr lang="en-US" altLang="ko-KR" dirty="0" err="1">
+                <a:solidFill>
+                  <a:schemeClr val="tx1">
+                    <a:lumMod val="75000"/>
+                    <a:lumOff val="25000"/>
+                  </a:schemeClr>
+                </a:solidFill>
+              </a:rPr>
+              <a:t>Javascript</a:t>
             </a:r>
             <a:endParaRPr lang="ko-KR" altLang="en-US" dirty="0">
               <a:solidFill>
@@ -17090,7 +17896,7 @@
                   </a:schemeClr>
                 </a:solidFill>
               </a:rPr>
-              <a:t>Oracle SQL Developer</a:t>
+              <a:t>Oracle XE 11g</a:t>
             </a:r>
             <a:endParaRPr lang="ko-KR" altLang="en-US" dirty="0">
               <a:solidFill>
@@ -18287,7 +19093,40 @@
                   </a:schemeClr>
                 </a:solidFill>
               </a:rPr>
-              <a:t>SQL / HTML / CSS / Java Script</a:t>
+              <a:t>SQL / </a:t>
+            </a:r>
+            <a:r>
+              <a:rPr lang="en-US" altLang="ko-KR" dirty="0" err="1">
+                <a:solidFill>
+                  <a:schemeClr val="tx1">
+                    <a:lumMod val="75000"/>
+                    <a:lumOff val="25000"/>
+                  </a:schemeClr>
+                </a:solidFill>
+              </a:rPr>
+              <a:t>JQuery</a:t>
+            </a:r>
+            <a:r>
+              <a:rPr lang="en-US" altLang="ko-KR" dirty="0">
+                <a:solidFill>
+                  <a:schemeClr val="tx1">
+                    <a:lumMod val="75000"/>
+                    <a:lumOff val="25000"/>
+                  </a:schemeClr>
+                </a:solidFill>
+              </a:rPr>
+              <a:t> / </a:t>
+            </a:r>
+            <a:r>
+              <a:rPr lang="en-US" altLang="ko-KR" dirty="0" err="1">
+                <a:solidFill>
+                  <a:schemeClr val="tx1">
+                    <a:lumMod val="75000"/>
+                    <a:lumOff val="25000"/>
+                  </a:schemeClr>
+                </a:solidFill>
+              </a:rPr>
+              <a:t>Javascript</a:t>
             </a:r>
             <a:r>
               <a:rPr lang="ko-KR" altLang="en-US" dirty="0">
@@ -18534,7 +19373,7 @@
           <p:nvPr/>
         </p:nvPicPr>
         <p:blipFill>
-          <a:blip r:embed="rId2"/>
+          <a:blip r:embed="rId3"/>
           <a:stretch>
             <a:fillRect/>
           </a:stretch>
@@ -18564,7 +19403,7 @@
           <p:nvPr/>
         </p:nvPicPr>
         <p:blipFill>
-          <a:blip r:embed="rId3"/>
+          <a:blip r:embed="rId4"/>
           <a:stretch>
             <a:fillRect/>
           </a:stretch>
@@ -18693,6 +19532,69 @@
           </a:p>
         </p:txBody>
       </p:sp>
+      <p:graphicFrame>
+        <p:nvGraphicFramePr>
+          <p:cNvPr id="7" name="개체 6">
+            <a:extLst>
+              <a:ext uri="{FF2B5EF4-FFF2-40B4-BE49-F238E27FC236}">
+                <a16:creationId xmlns:a16="http://schemas.microsoft.com/office/drawing/2014/main" id="{FBB16C2F-D763-497F-BBCE-69B45FC6A49F}"/>
+              </a:ext>
+            </a:extLst>
+          </p:cNvPr>
+          <p:cNvGraphicFramePr>
+            <a:graphicFrameLocks noChangeAspect="1"/>
+          </p:cNvGraphicFramePr>
+          <p:nvPr>
+            <p:extLst>
+              <p:ext uri="{D42A27DB-BD31-4B8C-83A1-F6EECF244321}">
+                <p14:modId xmlns:p14="http://schemas.microsoft.com/office/powerpoint/2010/main" val="1188301532"/>
+              </p:ext>
+            </p:extLst>
+          </p:nvPr>
+        </p:nvGraphicFramePr>
+        <p:xfrm>
+          <a:off x="-116958" y="3725492"/>
+          <a:ext cx="1724025" cy="538163"/>
+        </p:xfrm>
+        <a:graphic>
+          <a:graphicData uri="http://schemas.openxmlformats.org/presentationml/2006/ole">
+            <mc:AlternateContent xmlns:mc="http://schemas.openxmlformats.org/markup-compatibility/2006">
+              <mc:Choice xmlns:v="urn:schemas-microsoft-com:vml" Requires="v">
+                <p:oleObj spid="_x0000_s1032" name="포장기 셸 개체" showAsIcon="1" r:id="rId5" imgW="1724400" imgH="537840" progId="Package">
+                  <p:embed/>
+                </p:oleObj>
+              </mc:Choice>
+              <mc:Fallback>
+                <p:oleObj name="포장기 셸 개체" showAsIcon="1" r:id="rId5" imgW="1724400" imgH="537840" progId="Package">
+                  <p:embed/>
+                  <p:pic>
+                    <p:nvPicPr>
+                      <p:cNvPr id="0" name=""/>
+                      <p:cNvPicPr/>
+                      <p:nvPr/>
+                    </p:nvPicPr>
+                    <p:blipFill>
+                      <a:blip r:embed="rId6"/>
+                      <a:stretch>
+                        <a:fillRect/>
+                      </a:stretch>
+                    </p:blipFill>
+                    <p:spPr>
+                      <a:xfrm>
+                        <a:off x="-116958" y="3725492"/>
+                        <a:ext cx="1724025" cy="538163"/>
+                      </a:xfrm>
+                      <a:prstGeom prst="rect">
+                        <a:avLst/>
+                      </a:prstGeom>
+                    </p:spPr>
+                  </p:pic>
+                </p:oleObj>
+              </mc:Fallback>
+            </mc:AlternateContent>
+          </a:graphicData>
+        </a:graphic>
+      </p:graphicFrame>
     </p:spTree>
     <p:extLst>
       <p:ext uri="{BB962C8B-B14F-4D97-AF65-F5344CB8AC3E}">
@@ -18974,6 +19876,102 @@
           </a:p>
         </p:txBody>
       </p:sp>
+      <p:sp>
+        <p:nvSpPr>
+          <p:cNvPr id="8" name="직사각형 7">
+            <a:extLst>
+              <a:ext uri="{FF2B5EF4-FFF2-40B4-BE49-F238E27FC236}">
+                <a16:creationId xmlns:a16="http://schemas.microsoft.com/office/drawing/2014/main" id="{FF0DBC8C-AEAF-4CA0-9510-585983CA9382}"/>
+              </a:ext>
+            </a:extLst>
+          </p:cNvPr>
+          <p:cNvSpPr/>
+          <p:nvPr/>
+        </p:nvSpPr>
+        <p:spPr>
+          <a:xfrm>
+            <a:off x="3231421" y="739255"/>
+            <a:ext cx="2130934" cy="5379490"/>
+          </a:xfrm>
+          <a:prstGeom prst="rect">
+            <a:avLst/>
+          </a:prstGeom>
+          <a:noFill/>
+          <a:ln w="28575"/>
+        </p:spPr>
+        <p:style>
+          <a:lnRef idx="2">
+            <a:schemeClr val="accent1">
+              <a:shade val="50000"/>
+            </a:schemeClr>
+          </a:lnRef>
+          <a:fillRef idx="1">
+            <a:schemeClr val="accent1"/>
+          </a:fillRef>
+          <a:effectRef idx="0">
+            <a:schemeClr val="accent1"/>
+          </a:effectRef>
+          <a:fontRef idx="minor">
+            <a:schemeClr val="lt1"/>
+          </a:fontRef>
+        </p:style>
+        <p:txBody>
+          <a:bodyPr rtlCol="0" anchor="ctr"/>
+          <a:lstStyle/>
+          <a:p>
+            <a:pPr algn="ctr"/>
+            <a:endParaRPr lang="ko-KR" altLang="en-US"/>
+          </a:p>
+        </p:txBody>
+      </p:sp>
+      <p:sp>
+        <p:nvSpPr>
+          <p:cNvPr id="11" name="직사각형 10">
+            <a:extLst>
+              <a:ext uri="{FF2B5EF4-FFF2-40B4-BE49-F238E27FC236}">
+                <a16:creationId xmlns:a16="http://schemas.microsoft.com/office/drawing/2014/main" id="{A69F1F2A-4654-45B0-B3FB-EBC206347B9F}"/>
+              </a:ext>
+            </a:extLst>
+          </p:cNvPr>
+          <p:cNvSpPr/>
+          <p:nvPr/>
+        </p:nvSpPr>
+        <p:spPr>
+          <a:xfrm>
+            <a:off x="6096000" y="1163391"/>
+            <a:ext cx="5082183" cy="4955354"/>
+          </a:xfrm>
+          <a:prstGeom prst="rect">
+            <a:avLst/>
+          </a:prstGeom>
+          <a:noFill/>
+          <a:ln w="28575"/>
+        </p:spPr>
+        <p:style>
+          <a:lnRef idx="2">
+            <a:schemeClr val="accent1">
+              <a:shade val="50000"/>
+            </a:schemeClr>
+          </a:lnRef>
+          <a:fillRef idx="1">
+            <a:schemeClr val="accent1"/>
+          </a:fillRef>
+          <a:effectRef idx="0">
+            <a:schemeClr val="accent1"/>
+          </a:effectRef>
+          <a:fontRef idx="minor">
+            <a:schemeClr val="lt1"/>
+          </a:fontRef>
+        </p:style>
+        <p:txBody>
+          <a:bodyPr rtlCol="0" anchor="ctr"/>
+          <a:lstStyle/>
+          <a:p>
+            <a:pPr algn="ctr"/>
+            <a:endParaRPr lang="ko-KR" altLang="en-US"/>
+          </a:p>
+        </p:txBody>
+      </p:sp>
     </p:spTree>
     <p:extLst>
       <p:ext uri="{BB962C8B-B14F-4D97-AF65-F5344CB8AC3E}">
@@ -19254,6 +20252,102 @@
               </a:rPr>
               <a:t>의 일부분</a:t>
             </a:r>
+          </a:p>
+        </p:txBody>
+      </p:sp>
+      <p:sp>
+        <p:nvSpPr>
+          <p:cNvPr id="12" name="직사각형 11">
+            <a:extLst>
+              <a:ext uri="{FF2B5EF4-FFF2-40B4-BE49-F238E27FC236}">
+                <a16:creationId xmlns:a16="http://schemas.microsoft.com/office/drawing/2014/main" id="{A74F3BDB-9122-4626-8A04-9181E457C288}"/>
+              </a:ext>
+            </a:extLst>
+          </p:cNvPr>
+          <p:cNvSpPr/>
+          <p:nvPr/>
+        </p:nvSpPr>
+        <p:spPr>
+          <a:xfrm>
+            <a:off x="2910015" y="569796"/>
+            <a:ext cx="2934109" cy="5525271"/>
+          </a:xfrm>
+          <a:prstGeom prst="rect">
+            <a:avLst/>
+          </a:prstGeom>
+          <a:noFill/>
+          <a:ln w="28575"/>
+        </p:spPr>
+        <p:style>
+          <a:lnRef idx="2">
+            <a:schemeClr val="accent1">
+              <a:shade val="50000"/>
+            </a:schemeClr>
+          </a:lnRef>
+          <a:fillRef idx="1">
+            <a:schemeClr val="accent1"/>
+          </a:fillRef>
+          <a:effectRef idx="0">
+            <a:schemeClr val="accent1"/>
+          </a:effectRef>
+          <a:fontRef idx="minor">
+            <a:schemeClr val="lt1"/>
+          </a:fontRef>
+        </p:style>
+        <p:txBody>
+          <a:bodyPr rtlCol="0" anchor="ctr"/>
+          <a:lstStyle/>
+          <a:p>
+            <a:pPr algn="ctr"/>
+            <a:endParaRPr lang="ko-KR" altLang="en-US"/>
+          </a:p>
+        </p:txBody>
+      </p:sp>
+      <p:sp>
+        <p:nvSpPr>
+          <p:cNvPr id="13" name="직사각형 12">
+            <a:extLst>
+              <a:ext uri="{FF2B5EF4-FFF2-40B4-BE49-F238E27FC236}">
+                <a16:creationId xmlns:a16="http://schemas.microsoft.com/office/drawing/2014/main" id="{8D3D3D6C-4032-4C66-BF2E-D454BCB803C9}"/>
+              </a:ext>
+            </a:extLst>
+          </p:cNvPr>
+          <p:cNvSpPr/>
+          <p:nvPr/>
+        </p:nvSpPr>
+        <p:spPr>
+          <a:xfrm>
+            <a:off x="6096000" y="1163391"/>
+            <a:ext cx="5291231" cy="4931676"/>
+          </a:xfrm>
+          <a:prstGeom prst="rect">
+            <a:avLst/>
+          </a:prstGeom>
+          <a:noFill/>
+          <a:ln w="28575"/>
+        </p:spPr>
+        <p:style>
+          <a:lnRef idx="2">
+            <a:schemeClr val="accent1">
+              <a:shade val="50000"/>
+            </a:schemeClr>
+          </a:lnRef>
+          <a:fillRef idx="1">
+            <a:schemeClr val="accent1"/>
+          </a:fillRef>
+          <a:effectRef idx="0">
+            <a:schemeClr val="accent1"/>
+          </a:effectRef>
+          <a:fontRef idx="minor">
+            <a:schemeClr val="lt1"/>
+          </a:fontRef>
+        </p:style>
+        <p:txBody>
+          <a:bodyPr rtlCol="0" anchor="ctr"/>
+          <a:lstStyle/>
+          <a:p>
+            <a:pPr algn="ctr"/>
+            <a:endParaRPr lang="ko-KR" altLang="en-US"/>
           </a:p>
         </p:txBody>
       </p:sp>
